--- a/Topic B Programming Skills/PythonFileAccess.pptx
+++ b/Topic B Programming Skills/PythonFileAccess.pptx
@@ -110,6 +110,11 @@
       </a:defRPr>
     </a:lvl9pPr>
   </p:defaultTextStyle>
+  <p:extLst>
+    <p:ext uri="{EFAFB233-063F-42B5-8137-9DF3F51BA10A}">
+      <p15:sldGuideLst xmlns:p15="http://schemas.microsoft.com/office/powerpoint/2012/main"/>
+    </p:ext>
+  </p:extLst>
 </p:presentation>
 </file>
 
@@ -3022,6 +3027,13 @@
   <p:clrMapOvr>
     <a:masterClrMapping/>
   </p:clrMapOvr>
+  <p:timing>
+    <p:tnLst>
+      <p:par>
+        <p:cTn id="1" dur="indefinite" restart="never" nodeType="tmRoot"/>
+      </p:par>
+    </p:tnLst>
+  </p:timing>
 </p:sld>
 </file>
 
@@ -3193,6 +3205,13 @@
   <p:clrMapOvr>
     <a:masterClrMapping/>
   </p:clrMapOvr>
+  <p:timing>
+    <p:tnLst>
+      <p:par>
+        <p:cTn id="1" dur="indefinite" restart="never" nodeType="tmRoot"/>
+      </p:par>
+    </p:tnLst>
+  </p:timing>
 </p:sld>
 </file>
 
@@ -3577,6 +3596,13 @@
   <p:clrMapOvr>
     <a:masterClrMapping/>
   </p:clrMapOvr>
+  <p:timing>
+    <p:tnLst>
+      <p:par>
+        <p:cTn id="1" dur="indefinite" restart="never" nodeType="tmRoot"/>
+      </p:par>
+    </p:tnLst>
+  </p:timing>
 </p:sld>
 </file>
 
@@ -3971,6 +3997,13 @@
   <p:clrMapOvr>
     <a:masterClrMapping/>
   </p:clrMapOvr>
+  <p:timing>
+    <p:tnLst>
+      <p:par>
+        <p:cTn id="1" dur="indefinite" restart="never" nodeType="tmRoot"/>
+      </p:par>
+    </p:tnLst>
+  </p:timing>
 </p:sld>
 </file>
 
@@ -4163,6 +4196,13 @@
   <p:clrMapOvr>
     <a:masterClrMapping/>
   </p:clrMapOvr>
+  <p:timing>
+    <p:tnLst>
+      <p:par>
+        <p:cTn id="1" dur="indefinite" restart="never" nodeType="tmRoot"/>
+      </p:par>
+    </p:tnLst>
+  </p:timing>
 </p:sld>
 </file>
 
@@ -4328,6 +4368,13 @@
   <p:clrMapOvr>
     <a:masterClrMapping/>
   </p:clrMapOvr>
+  <p:timing>
+    <p:tnLst>
+      <p:par>
+        <p:cTn id="1" dur="indefinite" restart="never" nodeType="tmRoot"/>
+      </p:par>
+    </p:tnLst>
+  </p:timing>
 </p:sld>
 </file>
 
@@ -4493,6 +4540,13 @@
   <p:clrMapOvr>
     <a:masterClrMapping/>
   </p:clrMapOvr>
+  <p:timing>
+    <p:tnLst>
+      <p:par>
+        <p:cTn id="1" dur="indefinite" restart="never" nodeType="tmRoot"/>
+      </p:par>
+    </p:tnLst>
+  </p:timing>
 </p:sld>
 </file>
 
